--- a/Fetal Ultrasound Image Segmentation for Measuring Biometric Parameters.pptx
+++ b/Fetal Ultrasound Image Segmentation for Measuring Biometric Parameters.pptx
@@ -9,11 +9,11 @@
     <p:sldId id="257" r:id="rId3"/>
     <p:sldId id="272" r:id="rId4"/>
     <p:sldId id="258" r:id="rId5"/>
-    <p:sldId id="262" r:id="rId6"/>
-    <p:sldId id="265" r:id="rId7"/>
-    <p:sldId id="266" r:id="rId8"/>
-    <p:sldId id="267" r:id="rId9"/>
-    <p:sldId id="269" r:id="rId10"/>
+    <p:sldId id="265" r:id="rId6"/>
+    <p:sldId id="266" r:id="rId7"/>
+    <p:sldId id="267" r:id="rId8"/>
+    <p:sldId id="269" r:id="rId9"/>
+    <p:sldId id="262" r:id="rId10"/>
     <p:sldId id="261" r:id="rId11"/>
     <p:sldId id="263" r:id="rId12"/>
     <p:sldId id="268" r:id="rId13"/>
@@ -272,7 +272,7 @@
           <a:p>
             <a:fld id="{8D72729B-5873-41FB-A7A2-B3D3E957F8DE}" type="datetimeFigureOut">
               <a:rPr lang="zh-TW" altLang="en-US" smtClean="0"/>
-              <a:t>2021/4/25</a:t>
+              <a:t>2021/4/26</a:t>
             </a:fld>
             <a:endParaRPr lang="zh-TW" altLang="en-US"/>
           </a:p>
@@ -470,7 +470,7 @@
           <a:p>
             <a:fld id="{8D72729B-5873-41FB-A7A2-B3D3E957F8DE}" type="datetimeFigureOut">
               <a:rPr lang="zh-TW" altLang="en-US" smtClean="0"/>
-              <a:t>2021/4/25</a:t>
+              <a:t>2021/4/26</a:t>
             </a:fld>
             <a:endParaRPr lang="zh-TW" altLang="en-US"/>
           </a:p>
@@ -678,7 +678,7 @@
           <a:p>
             <a:fld id="{8D72729B-5873-41FB-A7A2-B3D3E957F8DE}" type="datetimeFigureOut">
               <a:rPr lang="zh-TW" altLang="en-US" smtClean="0"/>
-              <a:t>2021/4/25</a:t>
+              <a:t>2021/4/26</a:t>
             </a:fld>
             <a:endParaRPr lang="zh-TW" altLang="en-US"/>
           </a:p>
@@ -876,7 +876,7 @@
           <a:p>
             <a:fld id="{8D72729B-5873-41FB-A7A2-B3D3E957F8DE}" type="datetimeFigureOut">
               <a:rPr lang="zh-TW" altLang="en-US" smtClean="0"/>
-              <a:t>2021/4/25</a:t>
+              <a:t>2021/4/26</a:t>
             </a:fld>
             <a:endParaRPr lang="zh-TW" altLang="en-US"/>
           </a:p>
@@ -1151,7 +1151,7 @@
           <a:p>
             <a:fld id="{8D72729B-5873-41FB-A7A2-B3D3E957F8DE}" type="datetimeFigureOut">
               <a:rPr lang="zh-TW" altLang="en-US" smtClean="0"/>
-              <a:t>2021/4/25</a:t>
+              <a:t>2021/4/26</a:t>
             </a:fld>
             <a:endParaRPr lang="zh-TW" altLang="en-US"/>
           </a:p>
@@ -1416,7 +1416,7 @@
           <a:p>
             <a:fld id="{8D72729B-5873-41FB-A7A2-B3D3E957F8DE}" type="datetimeFigureOut">
               <a:rPr lang="zh-TW" altLang="en-US" smtClean="0"/>
-              <a:t>2021/4/25</a:t>
+              <a:t>2021/4/26</a:t>
             </a:fld>
             <a:endParaRPr lang="zh-TW" altLang="en-US"/>
           </a:p>
@@ -1828,7 +1828,7 @@
           <a:p>
             <a:fld id="{8D72729B-5873-41FB-A7A2-B3D3E957F8DE}" type="datetimeFigureOut">
               <a:rPr lang="zh-TW" altLang="en-US" smtClean="0"/>
-              <a:t>2021/4/25</a:t>
+              <a:t>2021/4/26</a:t>
             </a:fld>
             <a:endParaRPr lang="zh-TW" altLang="en-US"/>
           </a:p>
@@ -1969,7 +1969,7 @@
           <a:p>
             <a:fld id="{8D72729B-5873-41FB-A7A2-B3D3E957F8DE}" type="datetimeFigureOut">
               <a:rPr lang="zh-TW" altLang="en-US" smtClean="0"/>
-              <a:t>2021/4/25</a:t>
+              <a:t>2021/4/26</a:t>
             </a:fld>
             <a:endParaRPr lang="zh-TW" altLang="en-US"/>
           </a:p>
@@ -2082,7 +2082,7 @@
           <a:p>
             <a:fld id="{8D72729B-5873-41FB-A7A2-B3D3E957F8DE}" type="datetimeFigureOut">
               <a:rPr lang="zh-TW" altLang="en-US" smtClean="0"/>
-              <a:t>2021/4/25</a:t>
+              <a:t>2021/4/26</a:t>
             </a:fld>
             <a:endParaRPr lang="zh-TW" altLang="en-US"/>
           </a:p>
@@ -2393,7 +2393,7 @@
           <a:p>
             <a:fld id="{8D72729B-5873-41FB-A7A2-B3D3E957F8DE}" type="datetimeFigureOut">
               <a:rPr lang="zh-TW" altLang="en-US" smtClean="0"/>
-              <a:t>2021/4/25</a:t>
+              <a:t>2021/4/26</a:t>
             </a:fld>
             <a:endParaRPr lang="zh-TW" altLang="en-US"/>
           </a:p>
@@ -2681,7 +2681,7 @@
           <a:p>
             <a:fld id="{8D72729B-5873-41FB-A7A2-B3D3E957F8DE}" type="datetimeFigureOut">
               <a:rPr lang="zh-TW" altLang="en-US" smtClean="0"/>
-              <a:t>2021/4/25</a:t>
+              <a:t>2021/4/26</a:t>
             </a:fld>
             <a:endParaRPr lang="zh-TW" altLang="en-US"/>
           </a:p>
@@ -2922,7 +2922,7 @@
           <a:p>
             <a:fld id="{8D72729B-5873-41FB-A7A2-B3D3E957F8DE}" type="datetimeFigureOut">
               <a:rPr lang="zh-TW" altLang="en-US" smtClean="0"/>
-              <a:t>2021/4/25</a:t>
+              <a:t>2021/4/26</a:t>
             </a:fld>
             <a:endParaRPr lang="zh-TW" altLang="en-US"/>
           </a:p>
@@ -4825,7 +4825,7 @@
             </a:r>
             <a:r>
               <a:rPr lang="zh-TW" altLang="en-US" dirty="0"/>
-              <a:t>遺失輪廓邊界 </a:t>
+              <a:t>遺失輪廓邊界</a:t>
             </a:r>
             <a:endParaRPr lang="en-US" altLang="zh-TW" dirty="0"/>
           </a:p>
@@ -4839,51 +4839,17 @@
             </a:r>
             <a:r>
               <a:rPr lang="zh-TW" altLang="en-US" dirty="0"/>
-              <a:t>有些組織聲音無法穿過的</a:t>
-            </a:r>
-            <a:r>
-              <a:rPr lang="en-US" altLang="zh-TW" dirty="0"/>
-              <a:t>acoustic shadows (</a:t>
-            </a:r>
-            <a:r>
-              <a:rPr lang="zh-TW" altLang="en-US" dirty="0"/>
-              <a:t>聲影</a:t>
-            </a:r>
-            <a:r>
-              <a:rPr lang="en-US" altLang="zh-TW" dirty="0"/>
-              <a:t>)</a:t>
-            </a:r>
-          </a:p>
-          <a:p>
-            <a:pPr marL="0" indent="0">
-              <a:buNone/>
-            </a:pPr>
-            <a:r>
-              <a:rPr lang="en-US" altLang="zh-TW" dirty="0"/>
-              <a:t>4. </a:t>
-            </a:r>
-            <a:r>
-              <a:rPr lang="zh-TW" altLang="en-US" dirty="0"/>
-              <a:t>雜點</a:t>
-            </a:r>
-            <a:endParaRPr lang="en-US" altLang="zh-TW" dirty="0"/>
-          </a:p>
-          <a:p>
-            <a:pPr marL="0" indent="0">
-              <a:buNone/>
-            </a:pPr>
-            <a:r>
-              <a:rPr lang="en-US" altLang="zh-TW" dirty="0"/>
-              <a:t>5. </a:t>
-            </a:r>
-            <a:r>
-              <a:rPr lang="zh-TW" altLang="en-US" dirty="0"/>
               <a:t>低的</a:t>
             </a:r>
             <a:r>
               <a:rPr lang="en-US" altLang="zh-TW" dirty="0"/>
               <a:t>signal-to-noise ratio </a:t>
             </a:r>
+            <a:r>
+              <a:rPr lang="zh-TW" altLang="en-US" dirty="0"/>
+              <a:t>，雜點多</a:t>
+            </a:r>
+            <a:endParaRPr lang="en-US" altLang="zh-TW" dirty="0"/>
           </a:p>
           <a:p>
             <a:pPr marL="0" indent="0">
@@ -4937,105 +4903,6 @@
           <p:cNvPr id="2" name="標題 1">
             <a:extLst>
               <a:ext uri="{FF2B5EF4-FFF2-40B4-BE49-F238E27FC236}">
-                <a16:creationId xmlns:a16="http://schemas.microsoft.com/office/drawing/2014/main" id="{003FFAC0-2629-4CA7-8D90-856DD03F3708}"/>
-              </a:ext>
-            </a:extLst>
-          </p:cNvPr>
-          <p:cNvSpPr>
-            <a:spLocks noGrp="1"/>
-          </p:cNvSpPr>
-          <p:nvPr>
-            <p:ph type="title"/>
-          </p:nvPr>
-        </p:nvSpPr>
-        <p:spPr>
-          <a:xfrm>
-            <a:off x="0" y="11557"/>
-            <a:ext cx="10515600" cy="1325563"/>
-          </a:xfrm>
-        </p:spPr>
-        <p:txBody>
-          <a:bodyPr/>
-          <a:lstStyle/>
-          <a:p>
-            <a:r>
-              <a:rPr lang="en-US" altLang="zh-TW" dirty="0"/>
-              <a:t>Multi-Task</a:t>
-            </a:r>
-            <a:endParaRPr lang="zh-TW" altLang="en-US" dirty="0"/>
-          </a:p>
-        </p:txBody>
-      </p:sp>
-      <p:pic>
-        <p:nvPicPr>
-          <p:cNvPr id="9" name="內容版面配置區 8">
-            <a:extLst>
-              <a:ext uri="{FF2B5EF4-FFF2-40B4-BE49-F238E27FC236}">
-                <a16:creationId xmlns:a16="http://schemas.microsoft.com/office/drawing/2014/main" id="{D529392A-D483-4250-8E82-91D0F7A960C2}"/>
-              </a:ext>
-            </a:extLst>
-          </p:cNvPr>
-          <p:cNvPicPr>
-            <a:picLocks noGrp="1" noChangeAspect="1"/>
-          </p:cNvPicPr>
-          <p:nvPr>
-            <p:ph idx="1"/>
-          </p:nvPr>
-        </p:nvPicPr>
-        <p:blipFill>
-          <a:blip r:embed="rId2">
-            <a:extLst>
-              <a:ext uri="{28A0092B-C50C-407E-A947-70E740481C1C}">
-                <a14:useLocalDpi xmlns:a14="http://schemas.microsoft.com/office/drawing/2010/main" val="0"/>
-              </a:ext>
-            </a:extLst>
-          </a:blip>
-          <a:stretch>
-            <a:fillRect/>
-          </a:stretch>
-        </p:blipFill>
-        <p:spPr>
-          <a:xfrm>
-            <a:off x="602901" y="877824"/>
-            <a:ext cx="11040459" cy="5876544"/>
-          </a:xfrm>
-        </p:spPr>
-      </p:pic>
-    </p:spTree>
-    <p:extLst>
-      <p:ext uri="{BB962C8B-B14F-4D97-AF65-F5344CB8AC3E}">
-        <p14:creationId xmlns:p14="http://schemas.microsoft.com/office/powerpoint/2010/main" val="4045248739"/>
-      </p:ext>
-    </p:extLst>
-  </p:cSld>
-  <p:clrMapOvr>
-    <a:masterClrMapping/>
-  </p:clrMapOvr>
-</p:sld>
-</file>
-
-<file path=ppt/slides/slide6.xml><?xml version="1.0" encoding="utf-8"?>
-<p:sld xmlns:a="http://schemas.openxmlformats.org/drawingml/2006/main" xmlns:r="http://schemas.openxmlformats.org/officeDocument/2006/relationships" xmlns:p="http://schemas.openxmlformats.org/presentationml/2006/main">
-  <p:cSld>
-    <p:spTree>
-      <p:nvGrpSpPr>
-        <p:cNvPr id="1" name=""/>
-        <p:cNvGrpSpPr/>
-        <p:nvPr/>
-      </p:nvGrpSpPr>
-      <p:grpSpPr>
-        <a:xfrm>
-          <a:off x="0" y="0"/>
-          <a:ext cx="0" cy="0"/>
-          <a:chOff x="0" y="0"/>
-          <a:chExt cx="0" cy="0"/>
-        </a:xfrm>
-      </p:grpSpPr>
-      <p:sp>
-        <p:nvSpPr>
-          <p:cNvPr id="2" name="標題 1">
-            <a:extLst>
-              <a:ext uri="{FF2B5EF4-FFF2-40B4-BE49-F238E27FC236}">
                 <a16:creationId xmlns:a16="http://schemas.microsoft.com/office/drawing/2014/main" id="{081C7824-53EA-41A7-A086-9DDF5B0E82C0}"/>
               </a:ext>
             </a:extLst>
@@ -5151,6 +5018,267 @@
 </p:sld>
 </file>
 
+<file path=ppt/slides/slide6.xml><?xml version="1.0" encoding="utf-8"?>
+<p:sld xmlns:a="http://schemas.openxmlformats.org/drawingml/2006/main" xmlns:r="http://schemas.openxmlformats.org/officeDocument/2006/relationships" xmlns:p="http://schemas.openxmlformats.org/presentationml/2006/main">
+  <p:cSld>
+    <p:spTree>
+      <p:nvGrpSpPr>
+        <p:cNvPr id="1" name=""/>
+        <p:cNvGrpSpPr/>
+        <p:nvPr/>
+      </p:nvGrpSpPr>
+      <p:grpSpPr>
+        <a:xfrm>
+          <a:off x="0" y="0"/>
+          <a:ext cx="0" cy="0"/>
+          <a:chOff x="0" y="0"/>
+          <a:chExt cx="0" cy="0"/>
+        </a:xfrm>
+      </p:grpSpPr>
+      <p:sp>
+        <p:nvSpPr>
+          <p:cNvPr id="2" name="標題 1">
+            <a:extLst>
+              <a:ext uri="{FF2B5EF4-FFF2-40B4-BE49-F238E27FC236}">
+                <a16:creationId xmlns:a16="http://schemas.microsoft.com/office/drawing/2014/main" id="{29F3DAF2-7602-4113-8A6E-389E1CA44B83}"/>
+              </a:ext>
+            </a:extLst>
+          </p:cNvPr>
+          <p:cNvSpPr>
+            <a:spLocks noGrp="1"/>
+          </p:cNvSpPr>
+          <p:nvPr>
+            <p:ph type="title"/>
+          </p:nvPr>
+        </p:nvSpPr>
+        <p:spPr/>
+        <p:txBody>
+          <a:bodyPr/>
+          <a:lstStyle/>
+          <a:p>
+            <a:r>
+              <a:rPr lang="en-US" altLang="zh-TW" dirty="0"/>
+              <a:t>Segmentation network</a:t>
+            </a:r>
+            <a:endParaRPr lang="zh-TW" altLang="en-US" dirty="0"/>
+          </a:p>
+        </p:txBody>
+      </p:sp>
+      <p:pic>
+        <p:nvPicPr>
+          <p:cNvPr id="7" name="圖片 6" descr="一張含有 文字 的圖片&#10;&#10;自動產生的描述">
+            <a:extLst>
+              <a:ext uri="{FF2B5EF4-FFF2-40B4-BE49-F238E27FC236}">
+                <a16:creationId xmlns:a16="http://schemas.microsoft.com/office/drawing/2014/main" id="{C0FFBD17-24A7-4FBA-A9F6-487BBECB8A13}"/>
+              </a:ext>
+            </a:extLst>
+          </p:cNvPr>
+          <p:cNvPicPr>
+            <a:picLocks noChangeAspect="1"/>
+          </p:cNvPicPr>
+          <p:nvPr/>
+        </p:nvPicPr>
+        <p:blipFill rotWithShape="1">
+          <a:blip r:embed="rId2">
+            <a:extLst>
+              <a:ext uri="{28A0092B-C50C-407E-A947-70E740481C1C}">
+                <a14:useLocalDpi xmlns:a14="http://schemas.microsoft.com/office/drawing/2010/main" val="0"/>
+              </a:ext>
+            </a:extLst>
+          </a:blip>
+          <a:srcRect t="-1687" r="40582" b="1687"/>
+          <a:stretch/>
+        </p:blipFill>
+        <p:spPr>
+          <a:xfrm>
+            <a:off x="838200" y="2438445"/>
+            <a:ext cx="4968834" cy="2264853"/>
+          </a:xfrm>
+          <a:prstGeom prst="rect">
+            <a:avLst/>
+          </a:prstGeom>
+        </p:spPr>
+      </p:pic>
+      <p:sp>
+        <p:nvSpPr>
+          <p:cNvPr id="8" name="文字方塊 7">
+            <a:extLst>
+              <a:ext uri="{FF2B5EF4-FFF2-40B4-BE49-F238E27FC236}">
+                <a16:creationId xmlns:a16="http://schemas.microsoft.com/office/drawing/2014/main" id="{0B9EEF11-C881-48D6-8005-938CA579C272}"/>
+              </a:ext>
+            </a:extLst>
+          </p:cNvPr>
+          <p:cNvSpPr txBox="1"/>
+          <p:nvPr/>
+        </p:nvSpPr>
+        <p:spPr>
+          <a:xfrm>
+            <a:off x="5925507" y="3167390"/>
+            <a:ext cx="2353056" cy="523220"/>
+          </a:xfrm>
+          <a:prstGeom prst="rect">
+            <a:avLst/>
+          </a:prstGeom>
+          <a:noFill/>
+        </p:spPr>
+        <p:txBody>
+          <a:bodyPr wrap="square" rtlCol="0">
+            <a:spAutoFit/>
+          </a:bodyPr>
+          <a:lstStyle/>
+          <a:p>
+            <a:r>
+              <a:rPr lang="en-US" altLang="zh-TW" sz="2800" dirty="0">
+                <a:solidFill>
+                  <a:srgbClr val="FF0000"/>
+                </a:solidFill>
+              </a:rPr>
+              <a:t>Cross-entropy</a:t>
+            </a:r>
+            <a:endParaRPr lang="zh-TW" altLang="en-US" sz="2800" dirty="0">
+              <a:solidFill>
+                <a:srgbClr val="FF0000"/>
+              </a:solidFill>
+            </a:endParaRPr>
+          </a:p>
+        </p:txBody>
+      </p:sp>
+      <p:sp>
+        <p:nvSpPr>
+          <p:cNvPr id="9" name="文字方塊 8">
+            <a:extLst>
+              <a:ext uri="{FF2B5EF4-FFF2-40B4-BE49-F238E27FC236}">
+                <a16:creationId xmlns:a16="http://schemas.microsoft.com/office/drawing/2014/main" id="{33AEA42A-A827-4A42-9B03-BECDC8BFD0E0}"/>
+              </a:ext>
+            </a:extLst>
+          </p:cNvPr>
+          <p:cNvSpPr txBox="1"/>
+          <p:nvPr/>
+        </p:nvSpPr>
+        <p:spPr>
+          <a:xfrm>
+            <a:off x="5925507" y="4118523"/>
+            <a:ext cx="2080441" cy="584775"/>
+          </a:xfrm>
+          <a:prstGeom prst="rect">
+            <a:avLst/>
+          </a:prstGeom>
+          <a:noFill/>
+        </p:spPr>
+        <p:txBody>
+          <a:bodyPr wrap="none" rtlCol="0">
+            <a:spAutoFit/>
+          </a:bodyPr>
+          <a:lstStyle/>
+          <a:p>
+            <a:r>
+              <a:rPr lang="en-US" altLang="zh-TW" sz="3200" dirty="0">
+                <a:solidFill>
+                  <a:srgbClr val="FF0000"/>
+                </a:solidFill>
+              </a:rPr>
+              <a:t>Dice metric</a:t>
+            </a:r>
+            <a:endParaRPr lang="zh-TW" altLang="en-US" sz="3200" dirty="0">
+              <a:solidFill>
+                <a:srgbClr val="FF0000"/>
+              </a:solidFill>
+            </a:endParaRPr>
+          </a:p>
+        </p:txBody>
+      </p:sp>
+      <p:pic>
+        <p:nvPicPr>
+          <p:cNvPr id="13" name="圖片 12" descr="一張含有 文字 的圖片&#10;&#10;自動產生的描述">
+            <a:extLst>
+              <a:ext uri="{FF2B5EF4-FFF2-40B4-BE49-F238E27FC236}">
+                <a16:creationId xmlns:a16="http://schemas.microsoft.com/office/drawing/2014/main" id="{982D9B6D-2973-4FC1-B861-1064E8A9A748}"/>
+              </a:ext>
+            </a:extLst>
+          </p:cNvPr>
+          <p:cNvPicPr>
+            <a:picLocks noChangeAspect="1"/>
+          </p:cNvPicPr>
+          <p:nvPr/>
+        </p:nvPicPr>
+        <p:blipFill rotWithShape="1">
+          <a:blip r:embed="rId3">
+            <a:extLst>
+              <a:ext uri="{28A0092B-C50C-407E-A947-70E740481C1C}">
+                <a14:useLocalDpi xmlns:a14="http://schemas.microsoft.com/office/drawing/2010/main" val="0"/>
+              </a:ext>
+            </a:extLst>
+          </a:blip>
+          <a:srcRect b="10282"/>
+          <a:stretch/>
+        </p:blipFill>
+        <p:spPr>
+          <a:xfrm>
+            <a:off x="616822" y="4924528"/>
+            <a:ext cx="8583908" cy="1143763"/>
+          </a:xfrm>
+          <a:prstGeom prst="rect">
+            <a:avLst/>
+          </a:prstGeom>
+        </p:spPr>
+      </p:pic>
+      <p:sp>
+        <p:nvSpPr>
+          <p:cNvPr id="14" name="文字方塊 13">
+            <a:extLst>
+              <a:ext uri="{FF2B5EF4-FFF2-40B4-BE49-F238E27FC236}">
+                <a16:creationId xmlns:a16="http://schemas.microsoft.com/office/drawing/2014/main" id="{05B431C2-7E8B-491B-BA6A-B815802563D7}"/>
+              </a:ext>
+            </a:extLst>
+          </p:cNvPr>
+          <p:cNvSpPr txBox="1"/>
+          <p:nvPr/>
+        </p:nvSpPr>
+        <p:spPr>
+          <a:xfrm>
+            <a:off x="5925507" y="5366988"/>
+            <a:ext cx="2717860" cy="584775"/>
+          </a:xfrm>
+          <a:prstGeom prst="rect">
+            <a:avLst/>
+          </a:prstGeom>
+          <a:noFill/>
+        </p:spPr>
+        <p:txBody>
+          <a:bodyPr wrap="none" rtlCol="0">
+            <a:spAutoFit/>
+          </a:bodyPr>
+          <a:lstStyle/>
+          <a:p>
+            <a:r>
+              <a:rPr lang="en-US" altLang="zh-TW" sz="3200" dirty="0">
+                <a:solidFill>
+                  <a:srgbClr val="FF0000"/>
+                </a:solidFill>
+              </a:rPr>
+              <a:t>Weighting map</a:t>
+            </a:r>
+            <a:endParaRPr lang="zh-TW" altLang="en-US" sz="3200" dirty="0">
+              <a:solidFill>
+                <a:srgbClr val="FF0000"/>
+              </a:solidFill>
+            </a:endParaRPr>
+          </a:p>
+        </p:txBody>
+      </p:sp>
+    </p:spTree>
+    <p:extLst>
+      <p:ext uri="{BB962C8B-B14F-4D97-AF65-F5344CB8AC3E}">
+        <p14:creationId xmlns:p14="http://schemas.microsoft.com/office/powerpoint/2010/main" val="3436558780"/>
+      </p:ext>
+    </p:extLst>
+  </p:cSld>
+  <p:clrMapOvr>
+    <a:masterClrMapping/>
+  </p:clrMapOvr>
+</p:sld>
+</file>
+
 <file path=ppt/slides/slide7.xml><?xml version="1.0" encoding="utf-8"?>
 <p:sld xmlns:a="http://schemas.openxmlformats.org/drawingml/2006/main" xmlns:r="http://schemas.openxmlformats.org/officeDocument/2006/relationships" xmlns:p="http://schemas.openxmlformats.org/presentationml/2006/main">
   <p:cSld>
@@ -5173,7 +5301,7 @@
           <p:cNvPr id="2" name="標題 1">
             <a:extLst>
               <a:ext uri="{FF2B5EF4-FFF2-40B4-BE49-F238E27FC236}">
-                <a16:creationId xmlns:a16="http://schemas.microsoft.com/office/drawing/2014/main" id="{29F3DAF2-7602-4113-8A6E-389E1CA44B83}"/>
+                <a16:creationId xmlns:a16="http://schemas.microsoft.com/office/drawing/2014/main" id="{CFF3E9E5-745D-4FD8-B0D9-87D5B71DB564}"/>
               </a:ext>
             </a:extLst>
           </p:cNvPr>
@@ -5191,7 +5319,7 @@
           <a:p>
             <a:r>
               <a:rPr lang="en-US" altLang="zh-TW" dirty="0"/>
-              <a:t>Segmentation network</a:t>
+              <a:t>Ellipse Tuner</a:t>
             </a:r>
             <a:endParaRPr lang="zh-TW" altLang="en-US" dirty="0"/>
           </a:p>
@@ -5199,10 +5327,44 @@
       </p:sp>
       <p:pic>
         <p:nvPicPr>
-          <p:cNvPr id="7" name="圖片 6" descr="一張含有 文字 的圖片&#10;&#10;自動產生的描述">
-            <a:extLst>
-              <a:ext uri="{FF2B5EF4-FFF2-40B4-BE49-F238E27FC236}">
-                <a16:creationId xmlns:a16="http://schemas.microsoft.com/office/drawing/2014/main" id="{C0FFBD17-24A7-4FBA-A9F6-487BBECB8A13}"/>
+          <p:cNvPr id="5" name="內容版面配置區 4" descr="一張含有 文字 的圖片&#10;&#10;自動產生的描述">
+            <a:extLst>
+              <a:ext uri="{FF2B5EF4-FFF2-40B4-BE49-F238E27FC236}">
+                <a16:creationId xmlns:a16="http://schemas.microsoft.com/office/drawing/2014/main" id="{EAD7F3AB-961D-4464-A01E-1DBB2B0EA074}"/>
+              </a:ext>
+            </a:extLst>
+          </p:cNvPr>
+          <p:cNvPicPr>
+            <a:picLocks noGrp="1" noChangeAspect="1"/>
+          </p:cNvPicPr>
+          <p:nvPr>
+            <p:ph idx="1"/>
+          </p:nvPr>
+        </p:nvPicPr>
+        <p:blipFill rotWithShape="1">
+          <a:blip r:embed="rId2">
+            <a:extLst>
+              <a:ext uri="{28A0092B-C50C-407E-A947-70E740481C1C}">
+                <a14:useLocalDpi xmlns:a14="http://schemas.microsoft.com/office/drawing/2010/main" val="0"/>
+              </a:ext>
+            </a:extLst>
+          </a:blip>
+          <a:srcRect r="24867"/>
+          <a:stretch/>
+        </p:blipFill>
+        <p:spPr>
+          <a:xfrm>
+            <a:off x="838201" y="2006164"/>
+            <a:ext cx="6405748" cy="1297009"/>
+          </a:xfrm>
+        </p:spPr>
+      </p:pic>
+      <p:pic>
+        <p:nvPicPr>
+          <p:cNvPr id="7" name="圖片 6">
+            <a:extLst>
+              <a:ext uri="{FF2B5EF4-FFF2-40B4-BE49-F238E27FC236}">
+                <a16:creationId xmlns:a16="http://schemas.microsoft.com/office/drawing/2014/main" id="{D656235C-8D8A-43B4-BD87-244F29B10AF4}"/>
               </a:ext>
             </a:extLst>
           </p:cNvPr>
@@ -5212,20 +5374,20 @@
           <p:nvPr/>
         </p:nvPicPr>
         <p:blipFill rotWithShape="1">
-          <a:blip r:embed="rId2">
+          <a:blip r:embed="rId3">
             <a:extLst>
               <a:ext uri="{28A0092B-C50C-407E-A947-70E740481C1C}">
                 <a14:useLocalDpi xmlns:a14="http://schemas.microsoft.com/office/drawing/2010/main" val="0"/>
               </a:ext>
             </a:extLst>
           </a:blip>
-          <a:srcRect t="-1687" r="40582" b="1687"/>
+          <a:srcRect t="9369"/>
           <a:stretch/>
         </p:blipFill>
         <p:spPr>
           <a:xfrm>
-            <a:off x="838200" y="2438445"/>
-            <a:ext cx="4968834" cy="2264853"/>
+            <a:off x="838200" y="3554827"/>
+            <a:ext cx="6709203" cy="866448"/>
           </a:xfrm>
           <a:prstGeom prst="rect">
             <a:avLst/>
@@ -5234,10 +5396,10 @@
       </p:pic>
       <p:sp>
         <p:nvSpPr>
-          <p:cNvPr id="8" name="文字方塊 7">
-            <a:extLst>
-              <a:ext uri="{FF2B5EF4-FFF2-40B4-BE49-F238E27FC236}">
-                <a16:creationId xmlns:a16="http://schemas.microsoft.com/office/drawing/2014/main" id="{0B9EEF11-C881-48D6-8005-938CA579C272}"/>
+          <p:cNvPr id="9" name="文字方塊 8">
+            <a:extLst>
+              <a:ext uri="{FF2B5EF4-FFF2-40B4-BE49-F238E27FC236}">
+                <a16:creationId xmlns:a16="http://schemas.microsoft.com/office/drawing/2014/main" id="{6CDDC064-4F16-464D-B443-27893CD390C9}"/>
               </a:ext>
             </a:extLst>
           </p:cNvPr>
@@ -5246,7 +5408,7 @@
         </p:nvSpPr>
         <p:spPr>
           <a:xfrm>
-            <a:off x="5925507" y="3167390"/>
+            <a:off x="6441214" y="3554827"/>
             <a:ext cx="2353056" cy="523220"/>
           </a:xfrm>
           <a:prstGeom prst="rect">
@@ -5266,7 +5428,7 @@
                   <a:srgbClr val="FF0000"/>
                 </a:solidFill>
               </a:rPr>
-              <a:t>Cross-entropy</a:t>
+              <a:t>Locus</a:t>
             </a:r>
             <a:endParaRPr lang="zh-TW" altLang="en-US" sz="2800" dirty="0">
               <a:solidFill>
@@ -5276,12 +5438,47 @@
           </a:p>
         </p:txBody>
       </p:sp>
-      <p:sp>
-        <p:nvSpPr>
-          <p:cNvPr id="9" name="文字方塊 8">
-            <a:extLst>
-              <a:ext uri="{FF2B5EF4-FFF2-40B4-BE49-F238E27FC236}">
-                <a16:creationId xmlns:a16="http://schemas.microsoft.com/office/drawing/2014/main" id="{33AEA42A-A827-4A42-9B03-BECDC8BFD0E0}"/>
+      <p:pic>
+        <p:nvPicPr>
+          <p:cNvPr id="11" name="圖片 10">
+            <a:extLst>
+              <a:ext uri="{FF2B5EF4-FFF2-40B4-BE49-F238E27FC236}">
+                <a16:creationId xmlns:a16="http://schemas.microsoft.com/office/drawing/2014/main" id="{E2429CE5-E786-4F9E-9D19-6810B7081790}"/>
+              </a:ext>
+            </a:extLst>
+          </p:cNvPr>
+          <p:cNvPicPr>
+            <a:picLocks noChangeAspect="1"/>
+          </p:cNvPicPr>
+          <p:nvPr/>
+        </p:nvPicPr>
+        <p:blipFill rotWithShape="1">
+          <a:blip r:embed="rId4">
+            <a:extLst>
+              <a:ext uri="{28A0092B-C50C-407E-A947-70E740481C1C}">
+                <a14:useLocalDpi xmlns:a14="http://schemas.microsoft.com/office/drawing/2010/main" val="0"/>
+              </a:ext>
+            </a:extLst>
+          </a:blip>
+          <a:srcRect t="12477"/>
+          <a:stretch/>
+        </p:blipFill>
+        <p:spPr>
+          <a:xfrm>
+            <a:off x="836986" y="4739812"/>
+            <a:ext cx="7886945" cy="600248"/>
+          </a:xfrm>
+          <a:prstGeom prst="rect">
+            <a:avLst/>
+          </a:prstGeom>
+        </p:spPr>
+      </p:pic>
+      <p:sp>
+        <p:nvSpPr>
+          <p:cNvPr id="12" name="文字方塊 11">
+            <a:extLst>
+              <a:ext uri="{FF2B5EF4-FFF2-40B4-BE49-F238E27FC236}">
+                <a16:creationId xmlns:a16="http://schemas.microsoft.com/office/drawing/2014/main" id="{5690C94E-C790-4F47-BC00-3D8A2073EC93}"/>
               </a:ext>
             </a:extLst>
           </p:cNvPr>
@@ -5290,8 +5487,8 @@
         </p:nvSpPr>
         <p:spPr>
           <a:xfrm>
-            <a:off x="5925507" y="4118523"/>
-            <a:ext cx="2080441" cy="584775"/>
+            <a:off x="7547403" y="4778326"/>
+            <a:ext cx="2993318" cy="523220"/>
           </a:xfrm>
           <a:prstGeom prst="rect">
             <a:avLst/>
@@ -5299,20 +5496,20 @@
           <a:noFill/>
         </p:spPr>
         <p:txBody>
-          <a:bodyPr wrap="none" rtlCol="0">
+          <a:bodyPr wrap="square" rtlCol="0">
             <a:spAutoFit/>
           </a:bodyPr>
           <a:lstStyle/>
           <a:p>
             <a:r>
-              <a:rPr lang="en-US" altLang="zh-TW" sz="3200" dirty="0">
+              <a:rPr lang="en-US" altLang="zh-TW" sz="2800" dirty="0">
                 <a:solidFill>
                   <a:srgbClr val="FF0000"/>
                 </a:solidFill>
               </a:rPr>
-              <a:t>Dice metric</a:t>
-            </a:r>
-            <a:endParaRPr lang="zh-TW" altLang="en-US" sz="3200" dirty="0">
+              <a:t>Tangential Circle</a:t>
+            </a:r>
+            <a:endParaRPr lang="zh-TW" altLang="en-US" sz="2800" dirty="0">
               <a:solidFill>
                 <a:srgbClr val="FF0000"/>
               </a:solidFill>
@@ -5320,89 +5517,10 @@
           </a:p>
         </p:txBody>
       </p:sp>
-      <p:pic>
-        <p:nvPicPr>
-          <p:cNvPr id="13" name="圖片 12" descr="一張含有 文字 的圖片&#10;&#10;自動產生的描述">
-            <a:extLst>
-              <a:ext uri="{FF2B5EF4-FFF2-40B4-BE49-F238E27FC236}">
-                <a16:creationId xmlns:a16="http://schemas.microsoft.com/office/drawing/2014/main" id="{982D9B6D-2973-4FC1-B861-1064E8A9A748}"/>
-              </a:ext>
-            </a:extLst>
-          </p:cNvPr>
-          <p:cNvPicPr>
-            <a:picLocks noChangeAspect="1"/>
-          </p:cNvPicPr>
-          <p:nvPr/>
-        </p:nvPicPr>
-        <p:blipFill rotWithShape="1">
-          <a:blip r:embed="rId3">
-            <a:extLst>
-              <a:ext uri="{28A0092B-C50C-407E-A947-70E740481C1C}">
-                <a14:useLocalDpi xmlns:a14="http://schemas.microsoft.com/office/drawing/2010/main" val="0"/>
-              </a:ext>
-            </a:extLst>
-          </a:blip>
-          <a:srcRect b="10282"/>
-          <a:stretch/>
-        </p:blipFill>
-        <p:spPr>
-          <a:xfrm>
-            <a:off x="616822" y="4924528"/>
-            <a:ext cx="8583908" cy="1143763"/>
-          </a:xfrm>
-          <a:prstGeom prst="rect">
-            <a:avLst/>
-          </a:prstGeom>
-        </p:spPr>
-      </p:pic>
-      <p:sp>
-        <p:nvSpPr>
-          <p:cNvPr id="14" name="文字方塊 13">
-            <a:extLst>
-              <a:ext uri="{FF2B5EF4-FFF2-40B4-BE49-F238E27FC236}">
-                <a16:creationId xmlns:a16="http://schemas.microsoft.com/office/drawing/2014/main" id="{05B431C2-7E8B-491B-BA6A-B815802563D7}"/>
-              </a:ext>
-            </a:extLst>
-          </p:cNvPr>
-          <p:cNvSpPr txBox="1"/>
-          <p:nvPr/>
-        </p:nvSpPr>
-        <p:spPr>
-          <a:xfrm>
-            <a:off x="5925507" y="5366988"/>
-            <a:ext cx="2717860" cy="584775"/>
-          </a:xfrm>
-          <a:prstGeom prst="rect">
-            <a:avLst/>
-          </a:prstGeom>
-          <a:noFill/>
-        </p:spPr>
-        <p:txBody>
-          <a:bodyPr wrap="none" rtlCol="0">
-            <a:spAutoFit/>
-          </a:bodyPr>
-          <a:lstStyle/>
-          <a:p>
-            <a:r>
-              <a:rPr lang="en-US" altLang="zh-TW" sz="3200" dirty="0">
-                <a:solidFill>
-                  <a:srgbClr val="FF0000"/>
-                </a:solidFill>
-              </a:rPr>
-              <a:t>Weighting map</a:t>
-            </a:r>
-            <a:endParaRPr lang="zh-TW" altLang="en-US" sz="3200" dirty="0">
-              <a:solidFill>
-                <a:srgbClr val="FF0000"/>
-              </a:solidFill>
-            </a:endParaRPr>
-          </a:p>
-        </p:txBody>
-      </p:sp>
     </p:spTree>
     <p:extLst>
       <p:ext uri="{BB962C8B-B14F-4D97-AF65-F5344CB8AC3E}">
-        <p14:creationId xmlns:p14="http://schemas.microsoft.com/office/powerpoint/2010/main" val="3436558780"/>
+        <p14:creationId xmlns:p14="http://schemas.microsoft.com/office/powerpoint/2010/main" val="3817076692"/>
       </p:ext>
     </p:extLst>
   </p:cSld>
@@ -5429,41 +5547,12 @@
           <a:chExt cx="0" cy="0"/>
         </a:xfrm>
       </p:grpSpPr>
-      <p:sp>
-        <p:nvSpPr>
-          <p:cNvPr id="2" name="標題 1">
-            <a:extLst>
-              <a:ext uri="{FF2B5EF4-FFF2-40B4-BE49-F238E27FC236}">
-                <a16:creationId xmlns:a16="http://schemas.microsoft.com/office/drawing/2014/main" id="{CFF3E9E5-745D-4FD8-B0D9-87D5B71DB564}"/>
-              </a:ext>
-            </a:extLst>
-          </p:cNvPr>
-          <p:cNvSpPr>
-            <a:spLocks noGrp="1"/>
-          </p:cNvSpPr>
-          <p:nvPr>
-            <p:ph type="title"/>
-          </p:nvPr>
-        </p:nvSpPr>
-        <p:spPr/>
-        <p:txBody>
-          <a:bodyPr/>
-          <a:lstStyle/>
-          <a:p>
-            <a:r>
-              <a:rPr lang="en-US" altLang="zh-TW" dirty="0"/>
-              <a:t>Ellipse Tuner</a:t>
-            </a:r>
-            <a:endParaRPr lang="zh-TW" altLang="en-US" dirty="0"/>
-          </a:p>
-        </p:txBody>
-      </p:sp>
       <p:pic>
         <p:nvPicPr>
-          <p:cNvPr id="5" name="內容版面配置區 4" descr="一張含有 文字 的圖片&#10;&#10;自動產生的描述">
-            <a:extLst>
-              <a:ext uri="{FF2B5EF4-FFF2-40B4-BE49-F238E27FC236}">
-                <a16:creationId xmlns:a16="http://schemas.microsoft.com/office/drawing/2014/main" id="{EAD7F3AB-961D-4464-A01E-1DBB2B0EA074}"/>
+          <p:cNvPr id="5" name="內容版面配置區 4">
+            <a:extLst>
+              <a:ext uri="{FF2B5EF4-FFF2-40B4-BE49-F238E27FC236}">
+                <a16:creationId xmlns:a16="http://schemas.microsoft.com/office/drawing/2014/main" id="{F6006704-2E27-4BA5-A270-ECF11F1ED6EC}"/>
               </a:ext>
             </a:extLst>
           </p:cNvPr>
@@ -5474,7 +5563,7 @@
             <p:ph idx="1"/>
           </p:nvPr>
         </p:nvPicPr>
-        <p:blipFill rotWithShape="1">
+        <p:blipFill>
           <a:blip r:embed="rId2">
             <a:extLst>
               <a:ext uri="{28A0092B-C50C-407E-A947-70E740481C1C}">
@@ -5482,178 +5571,21 @@
               </a:ext>
             </a:extLst>
           </a:blip>
-          <a:srcRect r="24867"/>
-          <a:stretch/>
+          <a:stretch>
+            <a:fillRect/>
+          </a:stretch>
         </p:blipFill>
         <p:spPr>
           <a:xfrm>
-            <a:off x="838201" y="2006164"/>
-            <a:ext cx="6405748" cy="1297009"/>
+            <a:off x="2321901" y="671447"/>
+            <a:ext cx="8096646" cy="5515106"/>
           </a:xfrm>
         </p:spPr>
       </p:pic>
-      <p:pic>
-        <p:nvPicPr>
-          <p:cNvPr id="7" name="圖片 6">
-            <a:extLst>
-              <a:ext uri="{FF2B5EF4-FFF2-40B4-BE49-F238E27FC236}">
-                <a16:creationId xmlns:a16="http://schemas.microsoft.com/office/drawing/2014/main" id="{D656235C-8D8A-43B4-BD87-244F29B10AF4}"/>
-              </a:ext>
-            </a:extLst>
-          </p:cNvPr>
-          <p:cNvPicPr>
-            <a:picLocks noChangeAspect="1"/>
-          </p:cNvPicPr>
-          <p:nvPr/>
-        </p:nvPicPr>
-        <p:blipFill rotWithShape="1">
-          <a:blip r:embed="rId3">
-            <a:extLst>
-              <a:ext uri="{28A0092B-C50C-407E-A947-70E740481C1C}">
-                <a14:useLocalDpi xmlns:a14="http://schemas.microsoft.com/office/drawing/2010/main" val="0"/>
-              </a:ext>
-            </a:extLst>
-          </a:blip>
-          <a:srcRect t="9369"/>
-          <a:stretch/>
-        </p:blipFill>
-        <p:spPr>
-          <a:xfrm>
-            <a:off x="838200" y="3554827"/>
-            <a:ext cx="6709203" cy="866448"/>
-          </a:xfrm>
-          <a:prstGeom prst="rect">
-            <a:avLst/>
-          </a:prstGeom>
-        </p:spPr>
-      </p:pic>
-      <p:sp>
-        <p:nvSpPr>
-          <p:cNvPr id="9" name="文字方塊 8">
-            <a:extLst>
-              <a:ext uri="{FF2B5EF4-FFF2-40B4-BE49-F238E27FC236}">
-                <a16:creationId xmlns:a16="http://schemas.microsoft.com/office/drawing/2014/main" id="{6CDDC064-4F16-464D-B443-27893CD390C9}"/>
-              </a:ext>
-            </a:extLst>
-          </p:cNvPr>
-          <p:cNvSpPr txBox="1"/>
-          <p:nvPr/>
-        </p:nvSpPr>
-        <p:spPr>
-          <a:xfrm>
-            <a:off x="6441214" y="3554827"/>
-            <a:ext cx="2353056" cy="523220"/>
-          </a:xfrm>
-          <a:prstGeom prst="rect">
-            <a:avLst/>
-          </a:prstGeom>
-          <a:noFill/>
-        </p:spPr>
-        <p:txBody>
-          <a:bodyPr wrap="square" rtlCol="0">
-            <a:spAutoFit/>
-          </a:bodyPr>
-          <a:lstStyle/>
-          <a:p>
-            <a:r>
-              <a:rPr lang="en-US" altLang="zh-TW" sz="2800" dirty="0">
-                <a:solidFill>
-                  <a:srgbClr val="FF0000"/>
-                </a:solidFill>
-              </a:rPr>
-              <a:t>Locus</a:t>
-            </a:r>
-            <a:endParaRPr lang="zh-TW" altLang="en-US" sz="2800" dirty="0">
-              <a:solidFill>
-                <a:srgbClr val="FF0000"/>
-              </a:solidFill>
-            </a:endParaRPr>
-          </a:p>
-        </p:txBody>
-      </p:sp>
-      <p:pic>
-        <p:nvPicPr>
-          <p:cNvPr id="11" name="圖片 10">
-            <a:extLst>
-              <a:ext uri="{FF2B5EF4-FFF2-40B4-BE49-F238E27FC236}">
-                <a16:creationId xmlns:a16="http://schemas.microsoft.com/office/drawing/2014/main" id="{E2429CE5-E786-4F9E-9D19-6810B7081790}"/>
-              </a:ext>
-            </a:extLst>
-          </p:cNvPr>
-          <p:cNvPicPr>
-            <a:picLocks noChangeAspect="1"/>
-          </p:cNvPicPr>
-          <p:nvPr/>
-        </p:nvPicPr>
-        <p:blipFill rotWithShape="1">
-          <a:blip r:embed="rId4">
-            <a:extLst>
-              <a:ext uri="{28A0092B-C50C-407E-A947-70E740481C1C}">
-                <a14:useLocalDpi xmlns:a14="http://schemas.microsoft.com/office/drawing/2010/main" val="0"/>
-              </a:ext>
-            </a:extLst>
-          </a:blip>
-          <a:srcRect t="12477"/>
-          <a:stretch/>
-        </p:blipFill>
-        <p:spPr>
-          <a:xfrm>
-            <a:off x="836986" y="4739812"/>
-            <a:ext cx="7886945" cy="600248"/>
-          </a:xfrm>
-          <a:prstGeom prst="rect">
-            <a:avLst/>
-          </a:prstGeom>
-        </p:spPr>
-      </p:pic>
-      <p:sp>
-        <p:nvSpPr>
-          <p:cNvPr id="12" name="文字方塊 11">
-            <a:extLst>
-              <a:ext uri="{FF2B5EF4-FFF2-40B4-BE49-F238E27FC236}">
-                <a16:creationId xmlns:a16="http://schemas.microsoft.com/office/drawing/2014/main" id="{5690C94E-C790-4F47-BC00-3D8A2073EC93}"/>
-              </a:ext>
-            </a:extLst>
-          </p:cNvPr>
-          <p:cNvSpPr txBox="1"/>
-          <p:nvPr/>
-        </p:nvSpPr>
-        <p:spPr>
-          <a:xfrm>
-            <a:off x="7547403" y="4778326"/>
-            <a:ext cx="2993318" cy="523220"/>
-          </a:xfrm>
-          <a:prstGeom prst="rect">
-            <a:avLst/>
-          </a:prstGeom>
-          <a:noFill/>
-        </p:spPr>
-        <p:txBody>
-          <a:bodyPr wrap="square" rtlCol="0">
-            <a:spAutoFit/>
-          </a:bodyPr>
-          <a:lstStyle/>
-          <a:p>
-            <a:r>
-              <a:rPr lang="en-US" altLang="zh-TW" sz="2800" dirty="0">
-                <a:solidFill>
-                  <a:srgbClr val="FF0000"/>
-                </a:solidFill>
-              </a:rPr>
-              <a:t>Tangential Circle</a:t>
-            </a:r>
-            <a:endParaRPr lang="zh-TW" altLang="en-US" sz="2800" dirty="0">
-              <a:solidFill>
-                <a:srgbClr val="FF0000"/>
-              </a:solidFill>
-            </a:endParaRPr>
-          </a:p>
-        </p:txBody>
-      </p:sp>
     </p:spTree>
     <p:extLst>
       <p:ext uri="{BB962C8B-B14F-4D97-AF65-F5344CB8AC3E}">
-        <p14:creationId xmlns:p14="http://schemas.microsoft.com/office/powerpoint/2010/main" val="3817076692"/>
+        <p14:creationId xmlns:p14="http://schemas.microsoft.com/office/powerpoint/2010/main" val="1570582391"/>
       </p:ext>
     </p:extLst>
   </p:cSld>
@@ -5680,12 +5612,46 @@
           <a:chExt cx="0" cy="0"/>
         </a:xfrm>
       </p:grpSpPr>
+      <p:sp>
+        <p:nvSpPr>
+          <p:cNvPr id="2" name="標題 1">
+            <a:extLst>
+              <a:ext uri="{FF2B5EF4-FFF2-40B4-BE49-F238E27FC236}">
+                <a16:creationId xmlns:a16="http://schemas.microsoft.com/office/drawing/2014/main" id="{003FFAC0-2629-4CA7-8D90-856DD03F3708}"/>
+              </a:ext>
+            </a:extLst>
+          </p:cNvPr>
+          <p:cNvSpPr>
+            <a:spLocks noGrp="1"/>
+          </p:cNvSpPr>
+          <p:nvPr>
+            <p:ph type="title"/>
+          </p:nvPr>
+        </p:nvSpPr>
+        <p:spPr>
+          <a:xfrm>
+            <a:off x="291402" y="0"/>
+            <a:ext cx="10515600" cy="1325563"/>
+          </a:xfrm>
+        </p:spPr>
+        <p:txBody>
+          <a:bodyPr/>
+          <a:lstStyle/>
+          <a:p>
+            <a:r>
+              <a:rPr lang="en-US" altLang="zh-TW" dirty="0"/>
+              <a:t>Multi-Task</a:t>
+            </a:r>
+            <a:endParaRPr lang="zh-TW" altLang="en-US" dirty="0"/>
+          </a:p>
+        </p:txBody>
+      </p:sp>
       <p:pic>
         <p:nvPicPr>
-          <p:cNvPr id="5" name="內容版面配置區 4">
-            <a:extLst>
-              <a:ext uri="{FF2B5EF4-FFF2-40B4-BE49-F238E27FC236}">
-                <a16:creationId xmlns:a16="http://schemas.microsoft.com/office/drawing/2014/main" id="{F6006704-2E27-4BA5-A270-ECF11F1ED6EC}"/>
+          <p:cNvPr id="9" name="內容版面配置區 8">
+            <a:extLst>
+              <a:ext uri="{FF2B5EF4-FFF2-40B4-BE49-F238E27FC236}">
+                <a16:creationId xmlns:a16="http://schemas.microsoft.com/office/drawing/2014/main" id="{D529392A-D483-4250-8E82-91D0F7A960C2}"/>
               </a:ext>
             </a:extLst>
           </p:cNvPr>
@@ -5710,15 +5676,15 @@
         </p:blipFill>
         <p:spPr>
           <a:xfrm>
-            <a:off x="2321901" y="671447"/>
-            <a:ext cx="8096646" cy="5515106"/>
+            <a:off x="602901" y="877824"/>
+            <a:ext cx="11040459" cy="5876544"/>
           </a:xfrm>
         </p:spPr>
       </p:pic>
     </p:spTree>
     <p:extLst>
       <p:ext uri="{BB962C8B-B14F-4D97-AF65-F5344CB8AC3E}">
-        <p14:creationId xmlns:p14="http://schemas.microsoft.com/office/powerpoint/2010/main" val="1570582391"/>
+        <p14:creationId xmlns:p14="http://schemas.microsoft.com/office/powerpoint/2010/main" val="4045248739"/>
       </p:ext>
     </p:extLst>
   </p:cSld>
